--- a/Trần Ngọc Hành _ PPTX.pptx
+++ b/Trần Ngọc Hành _ PPTX.pptx
@@ -196,7 +196,7 @@
           <a:p>
             <a:fld id="{1D8BD707-D9CF-40AE-B4C6-C98DA3205C09}" type="datetimeFigureOut">
               <a:rPr lang="en-US"/>
-              <a:t>12/23/2025</a:t>
+              <a:t>1/9/2026</a:t>
             </a:fld>
             <a:endParaRPr lang="en-US"/>
           </a:p>
@@ -373,7 +373,7 @@
           <a:p>
             <a:fld id="{1D8BD707-D9CF-40AE-B4C6-C98DA3205C09}" type="datetimeFigureOut">
               <a:rPr lang="en-US"/>
-              <a:t>12/23/2025</a:t>
+              <a:t>1/9/2026</a:t>
             </a:fld>
             <a:endParaRPr lang="en-US"/>
           </a:p>
@@ -587,7 +587,7 @@
           <a:p>
             <a:fld id="{1D8BD707-D9CF-40AE-B4C6-C98DA3205C09}" type="datetimeFigureOut">
               <a:rPr lang="en-US"/>
-              <a:t>12/23/2025</a:t>
+              <a:t>1/9/2026</a:t>
             </a:fld>
             <a:endParaRPr lang="en-US"/>
           </a:p>
@@ -735,7 +735,7 @@
           <a:p>
             <a:fld id="{1D8BD707-D9CF-40AE-B4C6-C98DA3205C09}" type="datetimeFigureOut">
               <a:rPr lang="en-US"/>
-              <a:t>12/23/2025</a:t>
+              <a:t>1/9/2026</a:t>
             </a:fld>
             <a:endParaRPr lang="en-US"/>
           </a:p>
@@ -854,7 +854,7 @@
           <a:p>
             <a:fld id="{1D8BD707-D9CF-40AE-B4C6-C98DA3205C09}" type="datetimeFigureOut">
               <a:rPr lang="en-US"/>
-              <a:t>12/23/2025</a:t>
+              <a:t>1/9/2026</a:t>
             </a:fld>
             <a:endParaRPr lang="en-US"/>
           </a:p>
@@ -1315,7 +1315,7 @@
           <a:p>
             <a:fld id="{1D8BD707-D9CF-40AE-B4C6-C98DA3205C09}" type="datetimeFigureOut">
               <a:rPr lang="en-US"/>
-              <a:t>12/23/2025</a:t>
+              <a:t>1/9/2026</a:t>
             </a:fld>
             <a:endParaRPr lang="en-US"/>
           </a:p>
@@ -6559,7 +6559,15 @@
           <a:p>
             <a:r>
               <a:rPr lang="vi-VN" sz="2400" dirty="0"/>
-              <a:t>MÔ TẢ ĐỀ TÀI &amp; YÊU CẦU NGHIỆP VỤ </a:t>
+              <a:t>MÔ TẢ ĐỀ </a:t>
+            </a:r>
+            <a:r>
+              <a:rPr lang="vi-VN" sz="2400"/>
+              <a:t>TÀI &amp; </a:t>
+            </a:r>
+            <a:r>
+              <a:rPr lang="vi-VN" sz="2400" dirty="0"/>
+              <a:t>NGHIỆP VỤ </a:t>
             </a:r>
             <a:endParaRPr lang="en-US" sz="2400" dirty="0"/>
           </a:p>
@@ -6836,7 +6844,7 @@
               <a:rPr lang="vi-VN" sz="1700" b="1" dirty="0">
                 <a:latin typeface="+mj-lt"/>
               </a:rPr>
-              <a:t>YÊU CẦU NGHIỆP VỤ </a:t>
+              <a:t>NGHIỆP VỤ </a:t>
             </a:r>
           </a:p>
           <a:p>
